--- a/PPT/PythonMath11-Pandas.pptx
+++ b/PPT/PythonMath11-Pandas.pptx
@@ -4692,7 +4692,7 @@
             <a:pPr lvl="1"/>
             <a:r>
               <a:rPr lang="fr-FR" dirty="0"/>
-              <a:t>Puis les converti en </a:t>
+              <a:t>Puis les convertis en </a:t>
             </a:r>
             <a:r>
               <a:rPr lang="fr-FR" dirty="0" err="1"/>
